--- a/Ausarbeitung Latex/Bilder/Regelung Vorgehen.pptx
+++ b/Ausarbeitung Latex/Bilder/Regelung Vorgehen.pptx
@@ -288,7 +288,8 @@
           <a:p>
             <a:fld id="{A51D4F3C-EB59-45B3-8A1D-0C132B750D75}" type="datetimeFigureOut">
               <a:rPr lang="de-DE" smtClean="0"/>
-              <a:t>20.10.2020</a:t>
+              <a:pPr/>
+              <a:t>27.10.2020</a:t>
             </a:fld>
             <a:endParaRPr lang="de-DE"/>
           </a:p>
@@ -330,6 +331,7 @@
           <a:p>
             <a:fld id="{9AD678EE-55B2-4835-B194-797D14AAA865}" type="slidenum">
               <a:rPr lang="de-DE" smtClean="0"/>
+              <a:pPr/>
               <a:t>‹Nr.›</a:t>
             </a:fld>
             <a:endParaRPr lang="de-DE"/>
@@ -453,7 +455,8 @@
           <a:p>
             <a:fld id="{A51D4F3C-EB59-45B3-8A1D-0C132B750D75}" type="datetimeFigureOut">
               <a:rPr lang="de-DE" smtClean="0"/>
-              <a:t>20.10.2020</a:t>
+              <a:pPr/>
+              <a:t>27.10.2020</a:t>
             </a:fld>
             <a:endParaRPr lang="de-DE"/>
           </a:p>
@@ -495,6 +498,7 @@
           <a:p>
             <a:fld id="{9AD678EE-55B2-4835-B194-797D14AAA865}" type="slidenum">
               <a:rPr lang="de-DE" smtClean="0"/>
+              <a:pPr/>
               <a:t>‹Nr.›</a:t>
             </a:fld>
             <a:endParaRPr lang="de-DE"/>
@@ -628,7 +632,8 @@
           <a:p>
             <a:fld id="{A51D4F3C-EB59-45B3-8A1D-0C132B750D75}" type="datetimeFigureOut">
               <a:rPr lang="de-DE" smtClean="0"/>
-              <a:t>20.10.2020</a:t>
+              <a:pPr/>
+              <a:t>27.10.2020</a:t>
             </a:fld>
             <a:endParaRPr lang="de-DE"/>
           </a:p>
@@ -670,6 +675,7 @@
           <a:p>
             <a:fld id="{9AD678EE-55B2-4835-B194-797D14AAA865}" type="slidenum">
               <a:rPr lang="de-DE" smtClean="0"/>
+              <a:pPr/>
               <a:t>‹Nr.›</a:t>
             </a:fld>
             <a:endParaRPr lang="de-DE"/>
@@ -793,7 +799,8 @@
           <a:p>
             <a:fld id="{A51D4F3C-EB59-45B3-8A1D-0C132B750D75}" type="datetimeFigureOut">
               <a:rPr lang="de-DE" smtClean="0"/>
-              <a:t>20.10.2020</a:t>
+              <a:pPr/>
+              <a:t>27.10.2020</a:t>
             </a:fld>
             <a:endParaRPr lang="de-DE"/>
           </a:p>
@@ -835,6 +842,7 @@
           <a:p>
             <a:fld id="{9AD678EE-55B2-4835-B194-797D14AAA865}" type="slidenum">
               <a:rPr lang="de-DE" smtClean="0"/>
+              <a:pPr/>
               <a:t>‹Nr.›</a:t>
             </a:fld>
             <a:endParaRPr lang="de-DE"/>
@@ -1034,7 +1042,8 @@
           <a:p>
             <a:fld id="{A51D4F3C-EB59-45B3-8A1D-0C132B750D75}" type="datetimeFigureOut">
               <a:rPr lang="de-DE" smtClean="0"/>
-              <a:t>20.10.2020</a:t>
+              <a:pPr/>
+              <a:t>27.10.2020</a:t>
             </a:fld>
             <a:endParaRPr lang="de-DE"/>
           </a:p>
@@ -1076,6 +1085,7 @@
           <a:p>
             <a:fld id="{9AD678EE-55B2-4835-B194-797D14AAA865}" type="slidenum">
               <a:rPr lang="de-DE" smtClean="0"/>
+              <a:pPr/>
               <a:t>‹Nr.›</a:t>
             </a:fld>
             <a:endParaRPr lang="de-DE"/>
@@ -1317,7 +1327,8 @@
           <a:p>
             <a:fld id="{A51D4F3C-EB59-45B3-8A1D-0C132B750D75}" type="datetimeFigureOut">
               <a:rPr lang="de-DE" smtClean="0"/>
-              <a:t>20.10.2020</a:t>
+              <a:pPr/>
+              <a:t>27.10.2020</a:t>
             </a:fld>
             <a:endParaRPr lang="de-DE"/>
           </a:p>
@@ -1359,6 +1370,7 @@
           <a:p>
             <a:fld id="{9AD678EE-55B2-4835-B194-797D14AAA865}" type="slidenum">
               <a:rPr lang="de-DE" smtClean="0"/>
+              <a:pPr/>
               <a:t>‹Nr.›</a:t>
             </a:fld>
             <a:endParaRPr lang="de-DE"/>
@@ -1734,7 +1746,8 @@
           <a:p>
             <a:fld id="{A51D4F3C-EB59-45B3-8A1D-0C132B750D75}" type="datetimeFigureOut">
               <a:rPr lang="de-DE" smtClean="0"/>
-              <a:t>20.10.2020</a:t>
+              <a:pPr/>
+              <a:t>27.10.2020</a:t>
             </a:fld>
             <a:endParaRPr lang="de-DE"/>
           </a:p>
@@ -1776,6 +1789,7 @@
           <a:p>
             <a:fld id="{9AD678EE-55B2-4835-B194-797D14AAA865}" type="slidenum">
               <a:rPr lang="de-DE" smtClean="0"/>
+              <a:pPr/>
               <a:t>‹Nr.›</a:t>
             </a:fld>
             <a:endParaRPr lang="de-DE"/>
@@ -1847,7 +1861,8 @@
           <a:p>
             <a:fld id="{A51D4F3C-EB59-45B3-8A1D-0C132B750D75}" type="datetimeFigureOut">
               <a:rPr lang="de-DE" smtClean="0"/>
-              <a:t>20.10.2020</a:t>
+              <a:pPr/>
+              <a:t>27.10.2020</a:t>
             </a:fld>
             <a:endParaRPr lang="de-DE"/>
           </a:p>
@@ -1889,6 +1904,7 @@
           <a:p>
             <a:fld id="{9AD678EE-55B2-4835-B194-797D14AAA865}" type="slidenum">
               <a:rPr lang="de-DE" smtClean="0"/>
+              <a:pPr/>
               <a:t>‹Nr.›</a:t>
             </a:fld>
             <a:endParaRPr lang="de-DE"/>
@@ -1937,7 +1953,8 @@
           <a:p>
             <a:fld id="{A51D4F3C-EB59-45B3-8A1D-0C132B750D75}" type="datetimeFigureOut">
               <a:rPr lang="de-DE" smtClean="0"/>
-              <a:t>20.10.2020</a:t>
+              <a:pPr/>
+              <a:t>27.10.2020</a:t>
             </a:fld>
             <a:endParaRPr lang="de-DE"/>
           </a:p>
@@ -1979,6 +1996,7 @@
           <a:p>
             <a:fld id="{9AD678EE-55B2-4835-B194-797D14AAA865}" type="slidenum">
               <a:rPr lang="de-DE" smtClean="0"/>
+              <a:pPr/>
               <a:t>‹Nr.›</a:t>
             </a:fld>
             <a:endParaRPr lang="de-DE"/>
@@ -2209,7 +2227,8 @@
           <a:p>
             <a:fld id="{A51D4F3C-EB59-45B3-8A1D-0C132B750D75}" type="datetimeFigureOut">
               <a:rPr lang="de-DE" smtClean="0"/>
-              <a:t>20.10.2020</a:t>
+              <a:pPr/>
+              <a:t>27.10.2020</a:t>
             </a:fld>
             <a:endParaRPr lang="de-DE"/>
           </a:p>
@@ -2251,6 +2270,7 @@
           <a:p>
             <a:fld id="{9AD678EE-55B2-4835-B194-797D14AAA865}" type="slidenum">
               <a:rPr lang="de-DE" smtClean="0"/>
+              <a:pPr/>
               <a:t>‹Nr.›</a:t>
             </a:fld>
             <a:endParaRPr lang="de-DE"/>
@@ -2457,7 +2477,8 @@
           <a:p>
             <a:fld id="{A51D4F3C-EB59-45B3-8A1D-0C132B750D75}" type="datetimeFigureOut">
               <a:rPr lang="de-DE" smtClean="0"/>
-              <a:t>20.10.2020</a:t>
+              <a:pPr/>
+              <a:t>27.10.2020</a:t>
             </a:fld>
             <a:endParaRPr lang="de-DE"/>
           </a:p>
@@ -2499,6 +2520,7 @@
           <a:p>
             <a:fld id="{9AD678EE-55B2-4835-B194-797D14AAA865}" type="slidenum">
               <a:rPr lang="de-DE" smtClean="0"/>
+              <a:pPr/>
               <a:t>‹Nr.›</a:t>
             </a:fld>
             <a:endParaRPr lang="de-DE"/>
@@ -2665,7 +2687,8 @@
           <a:p>
             <a:fld id="{A51D4F3C-EB59-45B3-8A1D-0C132B750D75}" type="datetimeFigureOut">
               <a:rPr lang="de-DE" smtClean="0"/>
-              <a:t>20.10.2020</a:t>
+              <a:pPr/>
+              <a:t>27.10.2020</a:t>
             </a:fld>
             <a:endParaRPr lang="de-DE"/>
           </a:p>
@@ -2743,6 +2766,7 @@
           <a:p>
             <a:fld id="{9AD678EE-55B2-4835-B194-797D14AAA865}" type="slidenum">
               <a:rPr lang="de-DE" smtClean="0"/>
+              <a:pPr/>
               <a:t>‹Nr.›</a:t>
             </a:fld>
             <a:endParaRPr lang="de-DE"/>
@@ -3112,7 +3136,7 @@
             <a:r>
               <a:rPr lang="de-DE" sz="1600" dirty="0" smtClean="0">
                 <a:solidFill>
-                  <a:schemeClr val="tx1"/>
+                  <a:schemeClr val="bg1"/>
                 </a:solidFill>
               </a:rPr>
               <a:t>Festlegung der </a:t>
@@ -3120,14 +3144,14 @@
             <a:r>
               <a:rPr lang="de-DE" sz="1600" dirty="0" err="1" smtClean="0">
                 <a:solidFill>
-                  <a:schemeClr val="tx1"/>
+                  <a:schemeClr val="bg1"/>
                 </a:solidFill>
               </a:rPr>
               <a:t>Reglerparameter</a:t>
             </a:r>
             <a:endParaRPr lang="de-DE" sz="1600" dirty="0">
               <a:solidFill>
-                <a:schemeClr val="tx1"/>
+                <a:schemeClr val="bg1"/>
               </a:solidFill>
             </a:endParaRPr>
           </a:p>
@@ -3172,14 +3196,14 @@
             <a:r>
               <a:rPr lang="de-DE" sz="1600" dirty="0" smtClean="0">
                 <a:solidFill>
-                  <a:schemeClr val="tx1"/>
+                  <a:schemeClr val="bg1"/>
                 </a:solidFill>
               </a:rPr>
               <a:t>Festlegung der Systemparameter</a:t>
             </a:r>
             <a:endParaRPr lang="de-DE" sz="1600" dirty="0">
               <a:solidFill>
-                <a:schemeClr val="tx1"/>
+                <a:schemeClr val="bg1"/>
               </a:solidFill>
             </a:endParaRPr>
           </a:p>
@@ -3224,14 +3248,14 @@
             <a:r>
               <a:rPr lang="de-DE" sz="1600" dirty="0" smtClean="0">
                 <a:solidFill>
-                  <a:schemeClr val="tx1"/>
+                  <a:schemeClr val="bg1"/>
                 </a:solidFill>
               </a:rPr>
               <a:t>Testen verschiedener Arbeitspunkte</a:t>
             </a:r>
             <a:endParaRPr lang="de-DE" sz="1600" dirty="0">
               <a:solidFill>
-                <a:schemeClr val="tx1"/>
+                <a:schemeClr val="bg1"/>
               </a:solidFill>
             </a:endParaRPr>
           </a:p>
@@ -3276,14 +3300,14 @@
             <a:r>
               <a:rPr lang="de-DE" sz="1600" dirty="0" smtClean="0">
                 <a:solidFill>
-                  <a:schemeClr val="tx1"/>
+                  <a:schemeClr val="bg1"/>
                 </a:solidFill>
               </a:rPr>
               <a:t>Testen verschiedener Startwerte</a:t>
             </a:r>
             <a:endParaRPr lang="de-DE" sz="1600" dirty="0">
               <a:solidFill>
-                <a:schemeClr val="tx1"/>
+                <a:schemeClr val="bg1"/>
               </a:solidFill>
             </a:endParaRPr>
           </a:p>
@@ -3328,14 +3352,14 @@
             <a:r>
               <a:rPr lang="de-DE" sz="1600" dirty="0" err="1" smtClean="0">
                 <a:solidFill>
-                  <a:schemeClr val="tx1"/>
+                  <a:schemeClr val="bg1"/>
                 </a:solidFill>
               </a:rPr>
               <a:t>Reglerentwurf</a:t>
             </a:r>
             <a:endParaRPr lang="de-DE" dirty="0">
               <a:solidFill>
-                <a:schemeClr val="tx1"/>
+                <a:schemeClr val="bg1"/>
               </a:solidFill>
             </a:endParaRPr>
           </a:p>
@@ -3540,14 +3564,14 @@
             <a:r>
               <a:rPr lang="de-DE" sz="1600" dirty="0" smtClean="0">
                 <a:solidFill>
-                  <a:schemeClr val="tx1"/>
+                  <a:schemeClr val="bg1"/>
                 </a:solidFill>
               </a:rPr>
               <a:t>Evaluierung</a:t>
             </a:r>
             <a:endParaRPr lang="de-DE" dirty="0">
               <a:solidFill>
-                <a:schemeClr val="tx1"/>
+                <a:schemeClr val="bg1"/>
               </a:solidFill>
             </a:endParaRPr>
           </a:p>
